--- a/Seminar/FunkcionalnoTestiranje.pptx
+++ b/Seminar/FunkcionalnoTestiranje.pptx
@@ -126,6 +126,11 @@
       </a:defRPr>
     </a:lvl9pPr>
   </p:defaultTextStyle>
+  <p:extLst>
+    <p:ext uri="{EFAFB233-063F-42B5-8137-9DF3F51BA10A}">
+      <p15:sldGuideLst xmlns:p15="http://schemas.microsoft.com/office/powerpoint/2012/main"/>
+    </p:ext>
+  </p:extLst>
 </p:presentation>
 </file>
 
@@ -22197,8 +22202,8 @@
         </p:nvSpPr>
         <p:spPr>
           <a:xfrm>
-            <a:off x="5100824" y="2286000"/>
-            <a:ext cx="6176776" cy="3581400"/>
+            <a:off x="5100823" y="2286000"/>
+            <a:ext cx="6262745" cy="3677138"/>
           </a:xfrm>
           <a:prstGeom prst="rect">
             <a:avLst/>
